--- a/Neural Networks/Course Matieral/Comparison Presentation.pptx
+++ b/Neural Networks/Course Matieral/Comparison Presentation.pptx
@@ -355,7 +355,7 @@
           <a:p>
             <a:fld id="{ED291B17-9318-49DB-B28B-6E5994AE9581}" type="datetime1">
               <a:rPr lang="en-US" smtClean="0"/>
-              <a:t>2/10/2020</a:t>
+              <a:t>2/12/2020</a:t>
             </a:fld>
             <a:endParaRPr lang="en-US" dirty="0"/>
           </a:p>
@@ -558,7 +558,7 @@
           <a:p>
             <a:fld id="{2CED4963-E985-44C4-B8C4-FDD613B7C2F8}" type="datetime1">
               <a:rPr lang="en-US" smtClean="0"/>
-              <a:t>2/10/2020</a:t>
+              <a:t>2/12/2020</a:t>
             </a:fld>
             <a:endParaRPr lang="en-US" dirty="0"/>
           </a:p>
@@ -920,7 +920,7 @@
           <a:p>
             <a:fld id="{ED291B17-9318-49DB-B28B-6E5994AE9581}" type="datetime1">
               <a:rPr lang="en-US" smtClean="0"/>
-              <a:t>2/10/2020</a:t>
+              <a:t>2/12/2020</a:t>
             </a:fld>
             <a:endParaRPr lang="en-US" dirty="0"/>
           </a:p>
@@ -1118,7 +1118,7 @@
           <a:p>
             <a:fld id="{78DD82B9-B8EE-4375-B6FF-88FA6ABB15D9}" type="datetime1">
               <a:rPr lang="en-US" smtClean="0"/>
-              <a:t>2/10/2020</a:t>
+              <a:t>2/12/2020</a:t>
             </a:fld>
             <a:endParaRPr lang="en-US" dirty="0"/>
           </a:p>
@@ -1430,7 +1430,7 @@
           <a:p>
             <a:fld id="{B2497495-0637-405E-AE64-5CC7506D51F5}" type="datetime1">
               <a:rPr lang="en-US" smtClean="0"/>
-              <a:t>2/10/2020</a:t>
+              <a:t>2/12/2020</a:t>
             </a:fld>
             <a:endParaRPr lang="en-US" dirty="0"/>
           </a:p>
@@ -1683,7 +1683,7 @@
           <a:p>
             <a:fld id="{7BFFD690-9426-415D-8B65-26881E07B2D4}" type="datetime1">
               <a:rPr lang="en-US" smtClean="0"/>
-              <a:t>2/10/2020</a:t>
+              <a:t>2/12/2020</a:t>
             </a:fld>
             <a:endParaRPr lang="en-US" dirty="0"/>
           </a:p>
@@ -2105,7 +2105,7 @@
           <a:p>
             <a:fld id="{04C4989A-474C-40DE-95B9-011C28B71673}" type="datetime1">
               <a:rPr lang="en-US" smtClean="0"/>
-              <a:t>2/10/2020</a:t>
+              <a:t>2/12/2020</a:t>
             </a:fld>
             <a:endParaRPr lang="en-US" dirty="0"/>
           </a:p>
@@ -2228,7 +2228,7 @@
           <a:p>
             <a:fld id="{5DB4ED54-5B5E-4A04-93D3-5772E3CE3818}" type="datetime1">
               <a:rPr lang="en-US" smtClean="0"/>
-              <a:t>2/10/2020</a:t>
+              <a:t>2/12/2020</a:t>
             </a:fld>
             <a:endParaRPr lang="en-US" dirty="0"/>
           </a:p>
@@ -2323,7 +2323,7 @@
           <a:p>
             <a:fld id="{4EDE50D6-574B-40AF-946F-D52A04ADE379}" type="datetime1">
               <a:rPr lang="en-US" smtClean="0"/>
-              <a:t>2/10/2020</a:t>
+              <a:t>2/12/2020</a:t>
             </a:fld>
             <a:endParaRPr lang="en-US" dirty="0"/>
           </a:p>
@@ -2700,7 +2700,7 @@
           <a:p>
             <a:fld id="{D82884F1-FFEA-405F-9602-3DCA865EDA4E}" type="datetime1">
               <a:rPr lang="en-US" smtClean="0"/>
-              <a:t>2/10/2020</a:t>
+              <a:t>2/12/2020</a:t>
             </a:fld>
             <a:endParaRPr lang="en-US" dirty="0"/>
           </a:p>
@@ -2993,7 +2993,7 @@
           <a:p>
             <a:fld id="{7E18DB4A-8810-4A10-AD5C-D5E2C667F5B3}" type="datetime1">
               <a:rPr lang="en-US" smtClean="0"/>
-              <a:t>2/10/2020</a:t>
+              <a:t>2/12/2020</a:t>
             </a:fld>
             <a:endParaRPr lang="en-US" dirty="0"/>
           </a:p>
@@ -3208,7 +3208,7 @@
           <a:p>
             <a:fld id="{ED291B17-9318-49DB-B28B-6E5994AE9581}" type="datetime1">
               <a:rPr lang="en-US" smtClean="0"/>
-              <a:t>2/10/2020</a:t>
+              <a:t>2/12/2020</a:t>
             </a:fld>
             <a:endParaRPr lang="en-US" dirty="0"/>
           </a:p>
@@ -4409,7 +4409,7 @@
             <p:ph idx="1"/>
             <p:extLst>
               <p:ext uri="{D42A27DB-BD31-4B8C-83A1-F6EECF244321}">
-                <p14:modId xmlns:p14="http://schemas.microsoft.com/office/powerpoint/2010/main" val="4235886811"/>
+                <p14:modId xmlns:p14="http://schemas.microsoft.com/office/powerpoint/2010/main" val="4116599234"/>
               </p:ext>
             </p:extLst>
           </p:nvPr>
@@ -4544,7 +4544,10 @@
                     <a:bodyPr/>
                     <a:lstStyle/>
                     <a:p>
-                      <a:endParaRPr lang="en-US" dirty="0"/>
+                      <a:r>
+                        <a:rPr lang="en-US" dirty="0"/>
+                        <a:t>86%</a:t>
+                      </a:r>
                     </a:p>
                   </a:txBody>
                   <a:tcPr/>
@@ -4556,7 +4559,7 @@
                     <a:p>
                       <a:r>
                         <a:rPr lang="en-US" dirty="0"/>
-                        <a:t>~91%</a:t>
+                        <a:t>91% **</a:t>
                       </a:r>
                     </a:p>
                   </a:txBody>
@@ -4597,7 +4600,7 @@
                     <a:bodyPr/>
                     <a:lstStyle/>
                     <a:p>
-                      <a:endParaRPr lang="en-US"/>
+                      <a:endParaRPr lang="en-US" dirty="0"/>
                     </a:p>
                   </a:txBody>
                   <a:tcPr/>
@@ -4607,7 +4610,7 @@
                     <a:bodyPr/>
                     <a:lstStyle/>
                     <a:p>
-                      <a:endParaRPr lang="en-US"/>
+                      <a:endParaRPr lang="en-US" dirty="0"/>
                     </a:p>
                   </a:txBody>
                   <a:tcPr/>
@@ -4637,7 +4640,7 @@
                     <a:bodyPr/>
                     <a:lstStyle/>
                     <a:p>
-                      <a:endParaRPr lang="en-US"/>
+                      <a:endParaRPr lang="en-US" dirty="0"/>
                     </a:p>
                   </a:txBody>
                   <a:tcPr/>
@@ -4647,7 +4650,7 @@
                     <a:bodyPr/>
                     <a:lstStyle/>
                     <a:p>
-                      <a:endParaRPr lang="en-US"/>
+                      <a:endParaRPr lang="en-US" dirty="0"/>
                     </a:p>
                   </a:txBody>
                   <a:tcPr/>
@@ -4697,7 +4700,7 @@
                     <a:bodyPr/>
                     <a:lstStyle/>
                     <a:p>
-                      <a:endParaRPr lang="en-US"/>
+                      <a:endParaRPr lang="en-US" dirty="0"/>
                     </a:p>
                   </a:txBody>
                   <a:tcPr/>
